--- a/presentations/team75.pptx
+++ b/presentations/team75.pptx
@@ -113,6 +113,11 @@
       </a:defRPr>
     </a:lvl9pPr>
   </p:defaultTextStyle>
+  <p:extLst>
+    <p:ext uri="{EFAFB233-063F-42B5-8137-9DF3F51BA10A}">
+      <p15:sldGuideLst xmlns:p15="http://schemas.microsoft.com/office/powerpoint/2012/main"/>
+    </p:ext>
+  </p:extLst>
 </p:presentation>
 </file>
 
@@ -5049,31 +5054,6 @@
               <a:rPr lang="en-US" dirty="0"/>
               <a:t>Thanks</a:t>
             </a:r>
-          </a:p>
-        </p:txBody>
-      </p:sp>
-      <p:sp>
-        <p:nvSpPr>
-          <p:cNvPr id="3" name="Content Placeholder 2">
-            <a:extLst>
-              <a:ext uri="{FF2B5EF4-FFF2-40B4-BE49-F238E27FC236}">
-                <a16:creationId xmlns:a16="http://schemas.microsoft.com/office/drawing/2014/main" id="{6BDD11C2-ABC9-E39F-A464-16569DEEAE04}"/>
-              </a:ext>
-            </a:extLst>
-          </p:cNvPr>
-          <p:cNvSpPr>
-            <a:spLocks noGrp="1"/>
-          </p:cNvSpPr>
-          <p:nvPr>
-            <p:ph idx="1"/>
-          </p:nvPr>
-        </p:nvSpPr>
-        <p:spPr/>
-        <p:txBody>
-          <a:bodyPr/>
-          <a:lstStyle/>
-          <a:p>
-            <a:endParaRPr lang="en-US"/>
           </a:p>
         </p:txBody>
       </p:sp>
